--- a/stitching_direction.pptx
+++ b/stitching_direction.pptx
@@ -104,6 +104,11 @@
       </a:defRPr>
     </a:lvl9pPr>
   </p:defaultTextStyle>
+  <p:extLst>
+    <p:ext uri="{EFAFB233-063F-42B5-8137-9DF3F51BA10A}">
+      <p15:sldGuideLst xmlns:p15="http://schemas.microsoft.com/office/powerpoint/2012/main"/>
+    </p:ext>
+  </p:extLst>
 </p:presentation>
 </file>
 
@@ -238,7 +243,7 @@
           <a:p>
             <a:fld id="{BA6B867B-27D5-43CC-A6D0-F449B5C83BFA}" type="datetimeFigureOut">
               <a:rPr lang="zh-CN" altLang="en-US" smtClean="0"/>
-              <a:t>2019/3/3</a:t>
+              <a:t>2019/4/20</a:t>
             </a:fld>
             <a:endParaRPr lang="zh-CN" altLang="en-US"/>
           </a:p>
@@ -408,7 +413,7 @@
           <a:p>
             <a:fld id="{BA6B867B-27D5-43CC-A6D0-F449B5C83BFA}" type="datetimeFigureOut">
               <a:rPr lang="zh-CN" altLang="en-US" smtClean="0"/>
-              <a:t>2019/3/3</a:t>
+              <a:t>2019/4/20</a:t>
             </a:fld>
             <a:endParaRPr lang="zh-CN" altLang="en-US"/>
           </a:p>
@@ -588,7 +593,7 @@
           <a:p>
             <a:fld id="{BA6B867B-27D5-43CC-A6D0-F449B5C83BFA}" type="datetimeFigureOut">
               <a:rPr lang="zh-CN" altLang="en-US" smtClean="0"/>
-              <a:t>2019/3/3</a:t>
+              <a:t>2019/4/20</a:t>
             </a:fld>
             <a:endParaRPr lang="zh-CN" altLang="en-US"/>
           </a:p>
@@ -758,7 +763,7 @@
           <a:p>
             <a:fld id="{BA6B867B-27D5-43CC-A6D0-F449B5C83BFA}" type="datetimeFigureOut">
               <a:rPr lang="zh-CN" altLang="en-US" smtClean="0"/>
-              <a:t>2019/3/3</a:t>
+              <a:t>2019/4/20</a:t>
             </a:fld>
             <a:endParaRPr lang="zh-CN" altLang="en-US"/>
           </a:p>
@@ -1004,7 +1009,7 @@
           <a:p>
             <a:fld id="{BA6B867B-27D5-43CC-A6D0-F449B5C83BFA}" type="datetimeFigureOut">
               <a:rPr lang="zh-CN" altLang="en-US" smtClean="0"/>
-              <a:t>2019/3/3</a:t>
+              <a:t>2019/4/20</a:t>
             </a:fld>
             <a:endParaRPr lang="zh-CN" altLang="en-US"/>
           </a:p>
@@ -1236,7 +1241,7 @@
           <a:p>
             <a:fld id="{BA6B867B-27D5-43CC-A6D0-F449B5C83BFA}" type="datetimeFigureOut">
               <a:rPr lang="zh-CN" altLang="en-US" smtClean="0"/>
-              <a:t>2019/3/3</a:t>
+              <a:t>2019/4/20</a:t>
             </a:fld>
             <a:endParaRPr lang="zh-CN" altLang="en-US"/>
           </a:p>
@@ -1603,7 +1608,7 @@
           <a:p>
             <a:fld id="{BA6B867B-27D5-43CC-A6D0-F449B5C83BFA}" type="datetimeFigureOut">
               <a:rPr lang="zh-CN" altLang="en-US" smtClean="0"/>
-              <a:t>2019/3/3</a:t>
+              <a:t>2019/4/20</a:t>
             </a:fld>
             <a:endParaRPr lang="zh-CN" altLang="en-US"/>
           </a:p>
@@ -1721,7 +1726,7 @@
           <a:p>
             <a:fld id="{BA6B867B-27D5-43CC-A6D0-F449B5C83BFA}" type="datetimeFigureOut">
               <a:rPr lang="zh-CN" altLang="en-US" smtClean="0"/>
-              <a:t>2019/3/3</a:t>
+              <a:t>2019/4/20</a:t>
             </a:fld>
             <a:endParaRPr lang="zh-CN" altLang="en-US"/>
           </a:p>
@@ -1816,7 +1821,7 @@
           <a:p>
             <a:fld id="{BA6B867B-27D5-43CC-A6D0-F449B5C83BFA}" type="datetimeFigureOut">
               <a:rPr lang="zh-CN" altLang="en-US" smtClean="0"/>
-              <a:t>2019/3/3</a:t>
+              <a:t>2019/4/20</a:t>
             </a:fld>
             <a:endParaRPr lang="zh-CN" altLang="en-US"/>
           </a:p>
@@ -2093,7 +2098,7 @@
           <a:p>
             <a:fld id="{BA6B867B-27D5-43CC-A6D0-F449B5C83BFA}" type="datetimeFigureOut">
               <a:rPr lang="zh-CN" altLang="en-US" smtClean="0"/>
-              <a:t>2019/3/3</a:t>
+              <a:t>2019/4/20</a:t>
             </a:fld>
             <a:endParaRPr lang="zh-CN" altLang="en-US"/>
           </a:p>
@@ -2346,7 +2351,7 @@
           <a:p>
             <a:fld id="{BA6B867B-27D5-43CC-A6D0-F449B5C83BFA}" type="datetimeFigureOut">
               <a:rPr lang="zh-CN" altLang="en-US" smtClean="0"/>
-              <a:t>2019/3/3</a:t>
+              <a:t>2019/4/20</a:t>
             </a:fld>
             <a:endParaRPr lang="zh-CN" altLang="en-US"/>
           </a:p>
@@ -2559,7 +2564,7 @@
           <a:p>
             <a:fld id="{BA6B867B-27D5-43CC-A6D0-F449B5C83BFA}" type="datetimeFigureOut">
               <a:rPr lang="zh-CN" altLang="en-US" smtClean="0"/>
-              <a:t>2019/3/3</a:t>
+              <a:t>2019/4/20</a:t>
             </a:fld>
             <a:endParaRPr lang="zh-CN" altLang="en-US"/>
           </a:p>
@@ -3012,8 +3017,8 @@
         </p:nvSpPr>
         <p:spPr>
           <a:xfrm>
-            <a:off x="1972574" y="1242204"/>
-            <a:ext cx="2338169" cy="1517325"/>
+            <a:off x="2018425" y="1275552"/>
+            <a:ext cx="2905267" cy="2052538"/>
           </a:xfrm>
           <a:prstGeom prst="rect">
             <a:avLst/>
@@ -3092,8 +3097,8 @@
         </p:nvSpPr>
         <p:spPr>
           <a:xfrm>
-            <a:off x="7705958" y="940279"/>
-            <a:ext cx="1993214" cy="1427364"/>
+            <a:off x="7705957" y="842881"/>
+            <a:ext cx="2866736" cy="2133232"/>
           </a:xfrm>
           <a:prstGeom prst="rect">
             <a:avLst/>
@@ -3172,8 +3177,8 @@
         </p:nvSpPr>
         <p:spPr>
           <a:xfrm>
-            <a:off x="1636144" y="4333747"/>
-            <a:ext cx="2054114" cy="1593524"/>
+            <a:off x="1636142" y="4334552"/>
+            <a:ext cx="2699602" cy="1963821"/>
           </a:xfrm>
           <a:prstGeom prst="rect">
             <a:avLst/>
@@ -3252,8 +3257,8 @@
         </p:nvSpPr>
         <p:spPr>
           <a:xfrm>
-            <a:off x="8053581" y="4034849"/>
-            <a:ext cx="2282405" cy="1598508"/>
+            <a:off x="8156778" y="3998120"/>
+            <a:ext cx="2706446" cy="1952514"/>
           </a:xfrm>
           <a:prstGeom prst="rect">
             <a:avLst/>

--- a/stitching_direction.pptx
+++ b/stitching_direction.pptx
@@ -243,7 +243,7 @@
           <a:p>
             <a:fld id="{BA6B867B-27D5-43CC-A6D0-F449B5C83BFA}" type="datetimeFigureOut">
               <a:rPr lang="zh-CN" altLang="en-US" smtClean="0"/>
-              <a:t>2019/4/20</a:t>
+              <a:t>2019/5/7</a:t>
             </a:fld>
             <a:endParaRPr lang="zh-CN" altLang="en-US"/>
           </a:p>
@@ -413,7 +413,7 @@
           <a:p>
             <a:fld id="{BA6B867B-27D5-43CC-A6D0-F449B5C83BFA}" type="datetimeFigureOut">
               <a:rPr lang="zh-CN" altLang="en-US" smtClean="0"/>
-              <a:t>2019/4/20</a:t>
+              <a:t>2019/5/7</a:t>
             </a:fld>
             <a:endParaRPr lang="zh-CN" altLang="en-US"/>
           </a:p>
@@ -593,7 +593,7 @@
           <a:p>
             <a:fld id="{BA6B867B-27D5-43CC-A6D0-F449B5C83BFA}" type="datetimeFigureOut">
               <a:rPr lang="zh-CN" altLang="en-US" smtClean="0"/>
-              <a:t>2019/4/20</a:t>
+              <a:t>2019/5/7</a:t>
             </a:fld>
             <a:endParaRPr lang="zh-CN" altLang="en-US"/>
           </a:p>
@@ -763,7 +763,7 @@
           <a:p>
             <a:fld id="{BA6B867B-27D5-43CC-A6D0-F449B5C83BFA}" type="datetimeFigureOut">
               <a:rPr lang="zh-CN" altLang="en-US" smtClean="0"/>
-              <a:t>2019/4/20</a:t>
+              <a:t>2019/5/7</a:t>
             </a:fld>
             <a:endParaRPr lang="zh-CN" altLang="en-US"/>
           </a:p>
@@ -1009,7 +1009,7 @@
           <a:p>
             <a:fld id="{BA6B867B-27D5-43CC-A6D0-F449B5C83BFA}" type="datetimeFigureOut">
               <a:rPr lang="zh-CN" altLang="en-US" smtClean="0"/>
-              <a:t>2019/4/20</a:t>
+              <a:t>2019/5/7</a:t>
             </a:fld>
             <a:endParaRPr lang="zh-CN" altLang="en-US"/>
           </a:p>
@@ -1241,7 +1241,7 @@
           <a:p>
             <a:fld id="{BA6B867B-27D5-43CC-A6D0-F449B5C83BFA}" type="datetimeFigureOut">
               <a:rPr lang="zh-CN" altLang="en-US" smtClean="0"/>
-              <a:t>2019/4/20</a:t>
+              <a:t>2019/5/7</a:t>
             </a:fld>
             <a:endParaRPr lang="zh-CN" altLang="en-US"/>
           </a:p>
@@ -1608,7 +1608,7 @@
           <a:p>
             <a:fld id="{BA6B867B-27D5-43CC-A6D0-F449B5C83BFA}" type="datetimeFigureOut">
               <a:rPr lang="zh-CN" altLang="en-US" smtClean="0"/>
-              <a:t>2019/4/20</a:t>
+              <a:t>2019/5/7</a:t>
             </a:fld>
             <a:endParaRPr lang="zh-CN" altLang="en-US"/>
           </a:p>
@@ -1726,7 +1726,7 @@
           <a:p>
             <a:fld id="{BA6B867B-27D5-43CC-A6D0-F449B5C83BFA}" type="datetimeFigureOut">
               <a:rPr lang="zh-CN" altLang="en-US" smtClean="0"/>
-              <a:t>2019/4/20</a:t>
+              <a:t>2019/5/7</a:t>
             </a:fld>
             <a:endParaRPr lang="zh-CN" altLang="en-US"/>
           </a:p>
@@ -1821,7 +1821,7 @@
           <a:p>
             <a:fld id="{BA6B867B-27D5-43CC-A6D0-F449B5C83BFA}" type="datetimeFigureOut">
               <a:rPr lang="zh-CN" altLang="en-US" smtClean="0"/>
-              <a:t>2019/4/20</a:t>
+              <a:t>2019/5/7</a:t>
             </a:fld>
             <a:endParaRPr lang="zh-CN" altLang="en-US"/>
           </a:p>
@@ -2098,7 +2098,7 @@
           <a:p>
             <a:fld id="{BA6B867B-27D5-43CC-A6D0-F449B5C83BFA}" type="datetimeFigureOut">
               <a:rPr lang="zh-CN" altLang="en-US" smtClean="0"/>
-              <a:t>2019/4/20</a:t>
+              <a:t>2019/5/7</a:t>
             </a:fld>
             <a:endParaRPr lang="zh-CN" altLang="en-US"/>
           </a:p>
@@ -2351,7 +2351,7 @@
           <a:p>
             <a:fld id="{BA6B867B-27D5-43CC-A6D0-F449B5C83BFA}" type="datetimeFigureOut">
               <a:rPr lang="zh-CN" altLang="en-US" smtClean="0"/>
-              <a:t>2019/4/20</a:t>
+              <a:t>2019/5/7</a:t>
             </a:fld>
             <a:endParaRPr lang="zh-CN" altLang="en-US"/>
           </a:p>
@@ -2564,7 +2564,7 @@
           <a:p>
             <a:fld id="{BA6B867B-27D5-43CC-A6D0-F449B5C83BFA}" type="datetimeFigureOut">
               <a:rPr lang="zh-CN" altLang="en-US" smtClean="0"/>
-              <a:t>2019/4/20</a:t>
+              <a:t>2019/5/7</a:t>
             </a:fld>
             <a:endParaRPr lang="zh-CN" altLang="en-US"/>
           </a:p>
@@ -2977,7 +2977,7 @@
         </p:nvSpPr>
         <p:spPr>
           <a:xfrm>
-            <a:off x="1636144" y="940279"/>
+            <a:off x="1636143" y="873117"/>
             <a:ext cx="2820837" cy="2035834"/>
           </a:xfrm>
           <a:prstGeom prst="rect">
@@ -3017,8 +3017,8 @@
         </p:nvSpPr>
         <p:spPr>
           <a:xfrm>
-            <a:off x="2018425" y="1275552"/>
-            <a:ext cx="2905267" cy="2052538"/>
+            <a:off x="2018424" y="1208390"/>
+            <a:ext cx="2774986" cy="1855529"/>
           </a:xfrm>
           <a:prstGeom prst="rect">
             <a:avLst/>
@@ -3057,7 +3057,7 @@
         </p:nvSpPr>
         <p:spPr>
           <a:xfrm>
-            <a:off x="8042387" y="1095247"/>
+            <a:off x="8042387" y="1118238"/>
             <a:ext cx="2820837" cy="2035834"/>
           </a:xfrm>
           <a:prstGeom prst="rect">
@@ -3097,7 +3097,7 @@
         </p:nvSpPr>
         <p:spPr>
           <a:xfrm>
-            <a:off x="7705957" y="842881"/>
+            <a:off x="7548900" y="798272"/>
             <a:ext cx="2866736" cy="2133232"/>
           </a:xfrm>
           <a:prstGeom prst="rect">
@@ -3297,7 +3297,7 @@
         </p:nvSpPr>
         <p:spPr>
           <a:xfrm>
-            <a:off x="1636143" y="488420"/>
+            <a:off x="1636142" y="519499"/>
             <a:ext cx="1276311" cy="369332"/>
           </a:xfrm>
           <a:prstGeom prst="rect">
